--- a/outputs/GREAT PPT 임시.pptx
+++ b/outputs/GREAT PPT 임시.pptx
@@ -544,14 +544,6 @@
           <a:bodyPr/>
           <a:lstStyle/>
           <a:p>
-            <a:r>
-              <a:rPr lang="ko-KR" altLang="en-US" dirty="0"/>
-              <a:t>리뷰 테이블에 상품번호와는 연결되지 않는가</a:t>
-            </a:r>
-            <a:r>
-              <a:rPr lang="en-US" altLang="ko-KR" dirty="0"/>
-              <a:t>???</a:t>
-            </a:r>
             <a:endParaRPr lang="ko-KR" altLang="en-US" dirty="0"/>
           </a:p>
         </p:txBody>
@@ -26821,7 +26813,7 @@
                     <a:p>
                       <a:pPr algn="l" rtl="0" fontAlgn="ctr"/>
                       <a:r>
-                        <a:rPr lang="en-US" sz="1200">
+                        <a:rPr lang="en-US" sz="1200" dirty="0">
                           <a:effectLst/>
                         </a:rPr>
                         <a:t>Open API</a:t>
@@ -53645,14 +53637,14 @@
       </p:sp>
       <p:sp>
         <p:nvSpPr>
-          <p:cNvPr id="14" name="TextBox 13"/>
+          <p:cNvPr id="5" name="TextBox 4"/>
           <p:cNvSpPr txBox="1"/>
           <p:nvPr/>
         </p:nvSpPr>
         <p:spPr>
           <a:xfrm>
-            <a:off x="2612084" y="2451525"/>
-            <a:ext cx="6212601" cy="1938992"/>
+            <a:off x="2303872" y="2397191"/>
+            <a:ext cx="8416375" cy="1938992"/>
           </a:xfrm>
           <a:prstGeom prst="rect">
             <a:avLst/>
@@ -53671,7 +53663,7 @@
             </a:r>
             <a:r>
               <a:rPr lang="ko-KR" altLang="en-US" sz="2400" b="1" dirty="0" smtClean="0"/>
-              <a:t> 상품 정보 공유 및 판매를 통해</a:t>
+              <a:t> 상품을 사고 팔 수 있는 거래 공간을 제공하여</a:t>
             </a:r>
             <a:endParaRPr lang="en-US" altLang="ko-KR" sz="2400" b="1" dirty="0" smtClean="0"/>
           </a:p>
@@ -53681,7 +53673,7 @@
           <a:p>
             <a:r>
               <a:rPr lang="ko-KR" altLang="en-US" sz="2400" b="1" dirty="0" smtClean="0"/>
-              <a:t>점주는 버려지는 음식을 줄이고 </a:t>
+              <a:t>점주는 폐기하는 상품의 양을 줄이고 </a:t>
             </a:r>
             <a:endParaRPr lang="en-US" altLang="ko-KR" sz="2400" b="1" dirty="0" smtClean="0"/>
           </a:p>
@@ -53691,7 +53683,15 @@
           <a:p>
             <a:r>
               <a:rPr lang="ko-KR" altLang="en-US" sz="2400" b="1" dirty="0" smtClean="0"/>
-              <a:t>고객은 음식을 저렴하게 구매 </a:t>
+              <a:t>고객은 상품을 </a:t>
+            </a:r>
+            <a:r>
+              <a:rPr lang="ko-KR" altLang="en-US" sz="2400" b="1" dirty="0" err="1" smtClean="0"/>
+              <a:t>부담없는</a:t>
+            </a:r>
+            <a:r>
+              <a:rPr lang="ko-KR" altLang="en-US" sz="2400" b="1" dirty="0" smtClean="0"/>
+              <a:t> 가격으로 구매</a:t>
             </a:r>
             <a:endParaRPr lang="ko-KR" altLang="en-US" sz="2400" b="1" dirty="0"/>
           </a:p>
@@ -53840,15 +53840,7 @@
             </a:r>
             <a:r>
               <a:rPr lang="ko-KR" altLang="en-US" sz="2400" b="1" dirty="0" smtClean="0"/>
-              <a:t>식비에 부담을 느끼는 고객을 위한 </a:t>
-            </a:r>
-            <a:r>
-              <a:rPr lang="ko-KR" altLang="en-US" sz="2400" b="1" dirty="0" smtClean="0"/>
-              <a:t>할인 </a:t>
-            </a:r>
-            <a:r>
-              <a:rPr lang="ko-KR" altLang="en-US" sz="2400" b="1" dirty="0" smtClean="0"/>
-              <a:t>상품 정보 제공</a:t>
+              <a:t>식비에 부담을 느끼는 고객을 위한 온라인 거래 공간 제공</a:t>
             </a:r>
             <a:endParaRPr lang="ko-KR" altLang="en-US" sz="2400" b="1" dirty="0"/>
           </a:p>
